--- a/docs/diagrams/SelectNextCommand2.pptx
+++ b/docs/diagrams/SelectNextCommand2.pptx
@@ -261,7 +261,7 @@
           <a:p>
             <a:fld id="{03EC4E3E-8101-482F-A883-8B55DAFF7C07}" type="datetimeFigureOut">
               <a:rPr lang="en-SG" smtClean="0"/>
-              <a:t>29/10/2018</a:t>
+              <a:t>1/11/2018</a:t>
             </a:fld>
             <a:endParaRPr lang="en-SG"/>
           </a:p>
@@ -461,7 +461,7 @@
           <a:p>
             <a:fld id="{03EC4E3E-8101-482F-A883-8B55DAFF7C07}" type="datetimeFigureOut">
               <a:rPr lang="en-SG" smtClean="0"/>
-              <a:t>29/10/2018</a:t>
+              <a:t>1/11/2018</a:t>
             </a:fld>
             <a:endParaRPr lang="en-SG"/>
           </a:p>
@@ -671,7 +671,7 @@
           <a:p>
             <a:fld id="{03EC4E3E-8101-482F-A883-8B55DAFF7C07}" type="datetimeFigureOut">
               <a:rPr lang="en-SG" smtClean="0"/>
-              <a:t>29/10/2018</a:t>
+              <a:t>1/11/2018</a:t>
             </a:fld>
             <a:endParaRPr lang="en-SG"/>
           </a:p>
@@ -871,7 +871,7 @@
           <a:p>
             <a:fld id="{03EC4E3E-8101-482F-A883-8B55DAFF7C07}" type="datetimeFigureOut">
               <a:rPr lang="en-SG" smtClean="0"/>
-              <a:t>29/10/2018</a:t>
+              <a:t>1/11/2018</a:t>
             </a:fld>
             <a:endParaRPr lang="en-SG"/>
           </a:p>
@@ -1147,7 +1147,7 @@
           <a:p>
             <a:fld id="{03EC4E3E-8101-482F-A883-8B55DAFF7C07}" type="datetimeFigureOut">
               <a:rPr lang="en-SG" smtClean="0"/>
-              <a:t>29/10/2018</a:t>
+              <a:t>1/11/2018</a:t>
             </a:fld>
             <a:endParaRPr lang="en-SG"/>
           </a:p>
@@ -1415,7 +1415,7 @@
           <a:p>
             <a:fld id="{03EC4E3E-8101-482F-A883-8B55DAFF7C07}" type="datetimeFigureOut">
               <a:rPr lang="en-SG" smtClean="0"/>
-              <a:t>29/10/2018</a:t>
+              <a:t>1/11/2018</a:t>
             </a:fld>
             <a:endParaRPr lang="en-SG"/>
           </a:p>
@@ -1830,7 +1830,7 @@
           <a:p>
             <a:fld id="{03EC4E3E-8101-482F-A883-8B55DAFF7C07}" type="datetimeFigureOut">
               <a:rPr lang="en-SG" smtClean="0"/>
-              <a:t>29/10/2018</a:t>
+              <a:t>1/11/2018</a:t>
             </a:fld>
             <a:endParaRPr lang="en-SG"/>
           </a:p>
@@ -1972,7 +1972,7 @@
           <a:p>
             <a:fld id="{03EC4E3E-8101-482F-A883-8B55DAFF7C07}" type="datetimeFigureOut">
               <a:rPr lang="en-SG" smtClean="0"/>
-              <a:t>29/10/2018</a:t>
+              <a:t>1/11/2018</a:t>
             </a:fld>
             <a:endParaRPr lang="en-SG"/>
           </a:p>
@@ -2085,7 +2085,7 @@
           <a:p>
             <a:fld id="{03EC4E3E-8101-482F-A883-8B55DAFF7C07}" type="datetimeFigureOut">
               <a:rPr lang="en-SG" smtClean="0"/>
-              <a:t>29/10/2018</a:t>
+              <a:t>1/11/2018</a:t>
             </a:fld>
             <a:endParaRPr lang="en-SG"/>
           </a:p>
@@ -2398,7 +2398,7 @@
           <a:p>
             <a:fld id="{03EC4E3E-8101-482F-A883-8B55DAFF7C07}" type="datetimeFigureOut">
               <a:rPr lang="en-SG" smtClean="0"/>
-              <a:t>29/10/2018</a:t>
+              <a:t>1/11/2018</a:t>
             </a:fld>
             <a:endParaRPr lang="en-SG"/>
           </a:p>
@@ -2687,7 +2687,7 @@
           <a:p>
             <a:fld id="{03EC4E3E-8101-482F-A883-8B55DAFF7C07}" type="datetimeFigureOut">
               <a:rPr lang="en-SG" smtClean="0"/>
-              <a:t>29/10/2018</a:t>
+              <a:t>1/11/2018</a:t>
             </a:fld>
             <a:endParaRPr lang="en-SG"/>
           </a:p>
@@ -2930,7 +2930,7 @@
           <a:p>
             <a:fld id="{03EC4E3E-8101-482F-A883-8B55DAFF7C07}" type="datetimeFigureOut">
               <a:rPr lang="en-SG" smtClean="0"/>
-              <a:t>29/10/2018</a:t>
+              <a:t>1/11/2018</a:t>
             </a:fld>
             <a:endParaRPr lang="en-SG"/>
           </a:p>
@@ -3451,8 +3451,8 @@
         </p:nvSpPr>
         <p:spPr>
           <a:xfrm>
-            <a:off x="168679" y="4850971"/>
-            <a:ext cx="1744958" cy="369332"/>
+            <a:off x="-357653" y="939420"/>
+            <a:ext cx="2247893" cy="369332"/>
           </a:xfrm>
           <a:prstGeom prst="rect">
             <a:avLst/>
@@ -3470,7 +3470,7 @@
               <a:rPr lang="en-SG" dirty="0" err="1">
                 <a:latin typeface="Consolas" panose="020B0609020204030204" pitchFamily="49" charset="0"/>
               </a:rPr>
-              <a:t>currentBatch</a:t>
+              <a:t>currBatchPointer</a:t>
             </a:r>
             <a:endParaRPr lang="en-SG" dirty="0">
               <a:latin typeface="Consolas" panose="020B0609020204030204" pitchFamily="49" charset="0"/>
@@ -3537,9 +3537,9 @@
           <p:nvPr/>
         </p:nvCxnSpPr>
         <p:spPr>
-          <a:xfrm flipV="1">
-            <a:off x="761365" y="4222029"/>
-            <a:ext cx="0" cy="706873"/>
+          <a:xfrm>
+            <a:off x="737191" y="1309742"/>
+            <a:ext cx="0" cy="766796"/>
           </a:xfrm>
           <a:prstGeom prst="straightConnector1">
             <a:avLst/>
@@ -4527,88 +4527,6 @@
           </a:p>
         </p:txBody>
       </p:sp>
-      <p:sp>
-        <p:nvSpPr>
-          <p:cNvPr id="65" name="TextBox 64">
-            <a:extLst>
-              <a:ext uri="{FF2B5EF4-FFF2-40B4-BE49-F238E27FC236}">
-                <a16:creationId xmlns:a16="http://schemas.microsoft.com/office/drawing/2014/main" id="{855935F9-0E93-427C-9C73-A8F9F9E70B18}"/>
-              </a:ext>
-            </a:extLst>
-          </p:cNvPr>
-          <p:cNvSpPr txBox="1"/>
-          <p:nvPr/>
-        </p:nvSpPr>
-        <p:spPr>
-          <a:xfrm>
-            <a:off x="10599" y="1077786"/>
-            <a:ext cx="1744958" cy="369332"/>
-          </a:xfrm>
-          <a:prstGeom prst="rect">
-            <a:avLst/>
-          </a:prstGeom>
-          <a:noFill/>
-        </p:spPr>
-        <p:txBody>
-          <a:bodyPr wrap="square" rtlCol="0">
-            <a:spAutoFit/>
-          </a:bodyPr>
-          <a:lstStyle/>
-          <a:p>
-            <a:pPr algn="ctr"/>
-            <a:r>
-              <a:rPr lang="en-SG" dirty="0">
-                <a:latin typeface="Consolas" panose="020B0609020204030204" pitchFamily="49" charset="0"/>
-              </a:rPr>
-              <a:t>select 1</a:t>
-            </a:r>
-          </a:p>
-        </p:txBody>
-      </p:sp>
-      <p:cxnSp>
-        <p:nvCxnSpPr>
-          <p:cNvPr id="66" name="Straight Arrow Connector 65">
-            <a:extLst>
-              <a:ext uri="{FF2B5EF4-FFF2-40B4-BE49-F238E27FC236}">
-                <a16:creationId xmlns:a16="http://schemas.microsoft.com/office/drawing/2014/main" id="{5CB16ABC-BF72-4213-95E2-88A6407AA119}"/>
-              </a:ext>
-            </a:extLst>
-          </p:cNvPr>
-          <p:cNvCxnSpPr>
-            <a:cxnSpLocks/>
-          </p:cNvCxnSpPr>
-          <p:nvPr/>
-        </p:nvCxnSpPr>
-        <p:spPr>
-          <a:xfrm>
-            <a:off x="754566" y="1409879"/>
-            <a:ext cx="0" cy="634917"/>
-          </a:xfrm>
-          <a:prstGeom prst="straightConnector1">
-            <a:avLst/>
-          </a:prstGeom>
-          <a:ln>
-            <a:solidFill>
-              <a:srgbClr val="C00000"/>
-            </a:solidFill>
-            <a:tailEnd type="triangle"/>
-          </a:ln>
-        </p:spPr>
-        <p:style>
-          <a:lnRef idx="1">
-            <a:schemeClr val="accent1"/>
-          </a:lnRef>
-          <a:fillRef idx="0">
-            <a:schemeClr val="accent1"/>
-          </a:fillRef>
-          <a:effectRef idx="0">
-            <a:schemeClr val="accent1"/>
-          </a:effectRef>
-          <a:fontRef idx="minor">
-            <a:schemeClr val="tx1"/>
-          </a:fontRef>
-        </p:style>
-      </p:cxnSp>
     </p:spTree>
     <p:extLst>
       <p:ext uri="{BB962C8B-B14F-4D97-AF65-F5344CB8AC3E}">
